--- a/report SVM handcrafted and PCA/AUTHENTICATION AE3 (deep).pptx
+++ b/report SVM handcrafted and PCA/AUTHENTICATION AE3 (deep).pptx
@@ -256,7 +256,7 @@
           <a:p>
             <a:fld id="{553A844F-FF5C-934C-B225-48B8FD889570}" type="datetimeFigureOut">
               <a:rPr lang="en-US" smtClean="0"/>
-              <a:t>10/28/2017</a:t>
+              <a:t>11/6/2017</a:t>
             </a:fld>
             <a:endParaRPr lang="en-US"/>
           </a:p>
@@ -426,7 +426,7 @@
           <a:p>
             <a:fld id="{553A844F-FF5C-934C-B225-48B8FD889570}" type="datetimeFigureOut">
               <a:rPr lang="en-US" smtClean="0"/>
-              <a:t>10/28/2017</a:t>
+              <a:t>11/6/2017</a:t>
             </a:fld>
             <a:endParaRPr lang="en-US"/>
           </a:p>
@@ -606,7 +606,7 @@
           <a:p>
             <a:fld id="{553A844F-FF5C-934C-B225-48B8FD889570}" type="datetimeFigureOut">
               <a:rPr lang="en-US" smtClean="0"/>
-              <a:t>10/28/2017</a:t>
+              <a:t>11/6/2017</a:t>
             </a:fld>
             <a:endParaRPr lang="en-US"/>
           </a:p>
@@ -776,7 +776,7 @@
           <a:p>
             <a:fld id="{553A844F-FF5C-934C-B225-48B8FD889570}" type="datetimeFigureOut">
               <a:rPr lang="en-US" smtClean="0"/>
-              <a:t>10/28/2017</a:t>
+              <a:t>11/6/2017</a:t>
             </a:fld>
             <a:endParaRPr lang="en-US"/>
           </a:p>
@@ -1022,7 +1022,7 @@
           <a:p>
             <a:fld id="{553A844F-FF5C-934C-B225-48B8FD889570}" type="datetimeFigureOut">
               <a:rPr lang="en-US" smtClean="0"/>
-              <a:t>10/28/2017</a:t>
+              <a:t>11/6/2017</a:t>
             </a:fld>
             <a:endParaRPr lang="en-US"/>
           </a:p>
@@ -1254,7 +1254,7 @@
           <a:p>
             <a:fld id="{553A844F-FF5C-934C-B225-48B8FD889570}" type="datetimeFigureOut">
               <a:rPr lang="en-US" smtClean="0"/>
-              <a:t>10/28/2017</a:t>
+              <a:t>11/6/2017</a:t>
             </a:fld>
             <a:endParaRPr lang="en-US"/>
           </a:p>
@@ -1621,7 +1621,7 @@
           <a:p>
             <a:fld id="{553A844F-FF5C-934C-B225-48B8FD889570}" type="datetimeFigureOut">
               <a:rPr lang="en-US" smtClean="0"/>
-              <a:t>10/28/2017</a:t>
+              <a:t>11/6/2017</a:t>
             </a:fld>
             <a:endParaRPr lang="en-US"/>
           </a:p>
@@ -1739,7 +1739,7 @@
           <a:p>
             <a:fld id="{553A844F-FF5C-934C-B225-48B8FD889570}" type="datetimeFigureOut">
               <a:rPr lang="en-US" smtClean="0"/>
-              <a:t>10/28/2017</a:t>
+              <a:t>11/6/2017</a:t>
             </a:fld>
             <a:endParaRPr lang="en-US"/>
           </a:p>
@@ -1834,7 +1834,7 @@
           <a:p>
             <a:fld id="{553A844F-FF5C-934C-B225-48B8FD889570}" type="datetimeFigureOut">
               <a:rPr lang="en-US" smtClean="0"/>
-              <a:t>10/28/2017</a:t>
+              <a:t>11/6/2017</a:t>
             </a:fld>
             <a:endParaRPr lang="en-US"/>
           </a:p>
@@ -2111,7 +2111,7 @@
           <a:p>
             <a:fld id="{553A844F-FF5C-934C-B225-48B8FD889570}" type="datetimeFigureOut">
               <a:rPr lang="en-US" smtClean="0"/>
-              <a:t>10/28/2017</a:t>
+              <a:t>11/6/2017</a:t>
             </a:fld>
             <a:endParaRPr lang="en-US"/>
           </a:p>
@@ -2364,7 +2364,7 @@
           <a:p>
             <a:fld id="{553A844F-FF5C-934C-B225-48B8FD889570}" type="datetimeFigureOut">
               <a:rPr lang="en-US" smtClean="0"/>
-              <a:t>10/28/2017</a:t>
+              <a:t>11/6/2017</a:t>
             </a:fld>
             <a:endParaRPr lang="en-US"/>
           </a:p>
@@ -2577,7 +2577,7 @@
           <a:p>
             <a:fld id="{553A844F-FF5C-934C-B225-48B8FD889570}" type="datetimeFigureOut">
               <a:rPr lang="en-US" smtClean="0"/>
-              <a:t>10/28/2017</a:t>
+              <a:t>11/6/2017</a:t>
             </a:fld>
             <a:endParaRPr lang="en-US"/>
           </a:p>
@@ -3102,7 +3102,7 @@
           <p:nvPr>
             <p:extLst>
               <p:ext uri="{D42A27DB-BD31-4B8C-83A1-F6EECF244321}">
-                <p14:modId xmlns:p14="http://schemas.microsoft.com/office/powerpoint/2010/main" val="2060892661"/>
+                <p14:modId xmlns:p14="http://schemas.microsoft.com/office/powerpoint/2010/main" val="244707138"/>
               </p:ext>
             </p:extLst>
           </p:nvPr>
@@ -3146,14 +3146,14 @@
                     </a:ext>
                   </a:extLst>
                 </a:gridCol>
-                <a:gridCol w="1550894">
+                <a:gridCol w="1542366">
                   <a:extLst>
                     <a:ext uri="{9D8B030D-6E8A-4147-A177-3AD203B41FA5}">
                       <a16:colId xmlns:a16="http://schemas.microsoft.com/office/drawing/2014/main" val="20004"/>
                     </a:ext>
                   </a:extLst>
                 </a:gridCol>
-                <a:gridCol w="1712258">
+                <a:gridCol w="1720786">
                   <a:extLst>
                     <a:ext uri="{9D8B030D-6E8A-4147-A177-3AD203B41FA5}">
                       <a16:colId xmlns:a16="http://schemas.microsoft.com/office/drawing/2014/main" val="20005"/>
@@ -3311,93 +3311,93 @@
                     <a:p>
                       <a:r>
                         <a:rPr lang="en-US" dirty="0" smtClean="0"/>
-                        <a:t>FRR: 0.28755</a:t>
-                      </a:r>
-                    </a:p>
-                    <a:p>
-                      <a:r>
-                        <a:rPr lang="en-US" dirty="0" smtClean="0"/>
-                        <a:t>FAR: 0.51947</a:t>
-                      </a:r>
-                      <a:endParaRPr lang="en-US" dirty="0"/>
-                    </a:p>
-                  </a:txBody>
-                  <a:tcPr/>
-                </a:tc>
-                <a:tc>
-                  <a:txBody>
-                    <a:bodyPr/>
-                    <a:lstStyle/>
-                    <a:p>
-                      <a:r>
-                        <a:rPr lang="en-US" dirty="0" smtClean="0"/>
-                        <a:t>FRR: 0.13580</a:t>
-                      </a:r>
-                    </a:p>
-                    <a:p>
-                      <a:r>
-                        <a:rPr lang="en-US" dirty="0" smtClean="0"/>
-                        <a:t>FAR: 0.37493</a:t>
-                      </a:r>
-                      <a:endParaRPr lang="en-US" dirty="0"/>
-                    </a:p>
-                  </a:txBody>
-                  <a:tcPr/>
-                </a:tc>
-                <a:tc>
-                  <a:txBody>
-                    <a:bodyPr/>
-                    <a:lstStyle/>
-                    <a:p>
-                      <a:r>
-                        <a:rPr lang="en-US" dirty="0" smtClean="0"/>
-                        <a:t>FRR: 0.10938</a:t>
-                      </a:r>
-                    </a:p>
-                    <a:p>
-                      <a:r>
-                        <a:rPr lang="en-US" dirty="0" smtClean="0"/>
-                        <a:t>FAR: 0.46984</a:t>
-                      </a:r>
-                      <a:endParaRPr lang="en-US" dirty="0"/>
-                    </a:p>
-                  </a:txBody>
-                  <a:tcPr/>
-                </a:tc>
-                <a:tc>
-                  <a:txBody>
-                    <a:bodyPr/>
-                    <a:lstStyle/>
-                    <a:p>
-                      <a:r>
-                        <a:rPr lang="en-US" dirty="0" smtClean="0"/>
-                        <a:t>FRR: 0.05747</a:t>
-                      </a:r>
-                    </a:p>
-                    <a:p>
-                      <a:r>
-                        <a:rPr lang="en-US" dirty="0" smtClean="0"/>
-                        <a:t>FAR: 0.55580</a:t>
-                      </a:r>
-                      <a:endParaRPr lang="en-US" dirty="0"/>
-                    </a:p>
-                  </a:txBody>
-                  <a:tcPr/>
-                </a:tc>
-                <a:tc>
-                  <a:txBody>
-                    <a:bodyPr/>
-                    <a:lstStyle/>
-                    <a:p>
-                      <a:r>
-                        <a:rPr lang="en-US" dirty="0" smtClean="0"/>
-                        <a:t>FRR: 0.48294</a:t>
-                      </a:r>
-                    </a:p>
-                    <a:p>
-                      <a:r>
-                        <a:rPr lang="en-US" dirty="0" smtClean="0"/>
-                        <a:t>FAR: 0.49143</a:t>
+                        <a:t>FRR: 0.51502</a:t>
+                      </a:r>
+                    </a:p>
+                    <a:p>
+                      <a:r>
+                        <a:rPr lang="en-US" dirty="0" smtClean="0"/>
+                        <a:t>FAR: 0.50740</a:t>
+                      </a:r>
+                      <a:endParaRPr lang="en-US" dirty="0"/>
+                    </a:p>
+                  </a:txBody>
+                  <a:tcPr/>
+                </a:tc>
+                <a:tc>
+                  <a:txBody>
+                    <a:bodyPr/>
+                    <a:lstStyle/>
+                    <a:p>
+                      <a:r>
+                        <a:rPr lang="en-US" dirty="0" smtClean="0"/>
+                        <a:t>FRR: 0.25926</a:t>
+                      </a:r>
+                    </a:p>
+                    <a:p>
+                      <a:r>
+                        <a:rPr lang="en-US" dirty="0" smtClean="0"/>
+                        <a:t>FAR: 0.48138</a:t>
+                      </a:r>
+                      <a:endParaRPr lang="en-US" dirty="0"/>
+                    </a:p>
+                  </a:txBody>
+                  <a:tcPr/>
+                </a:tc>
+                <a:tc>
+                  <a:txBody>
+                    <a:bodyPr/>
+                    <a:lstStyle/>
+                    <a:p>
+                      <a:r>
+                        <a:rPr lang="en-US" dirty="0" smtClean="0"/>
+                        <a:t>FRR: 0.12500</a:t>
+                      </a:r>
+                    </a:p>
+                    <a:p>
+                      <a:r>
+                        <a:rPr lang="en-US" dirty="0" smtClean="0"/>
+                        <a:t>FAR: 0.25165</a:t>
+                      </a:r>
+                      <a:endParaRPr lang="en-US" dirty="0"/>
+                    </a:p>
+                  </a:txBody>
+                  <a:tcPr/>
+                </a:tc>
+                <a:tc>
+                  <a:txBody>
+                    <a:bodyPr/>
+                    <a:lstStyle/>
+                    <a:p>
+                      <a:r>
+                        <a:rPr lang="en-US" dirty="0" smtClean="0"/>
+                        <a:t>FRR: 0.13793</a:t>
+                      </a:r>
+                    </a:p>
+                    <a:p>
+                      <a:r>
+                        <a:rPr lang="en-US" dirty="0" smtClean="0"/>
+                        <a:t>FAR: 0.36295</a:t>
+                      </a:r>
+                      <a:endParaRPr lang="en-US" dirty="0"/>
+                    </a:p>
+                  </a:txBody>
+                  <a:tcPr/>
+                </a:tc>
+                <a:tc>
+                  <a:txBody>
+                    <a:bodyPr/>
+                    <a:lstStyle/>
+                    <a:p>
+                      <a:r>
+                        <a:rPr lang="en-US" dirty="0" smtClean="0"/>
+                        <a:t>FRR: 0.19565</a:t>
+                      </a:r>
+                    </a:p>
+                    <a:p>
+                      <a:r>
+                        <a:rPr lang="en-US" dirty="0" smtClean="0"/>
+                        <a:t>FAR: 0.48181</a:t>
                       </a:r>
                       <a:endParaRPr lang="en-US" dirty="0"/>
                     </a:p>
@@ -3436,93 +3436,93 @@
                     <a:p>
                       <a:r>
                         <a:rPr lang="en-US" dirty="0" smtClean="0"/>
-                        <a:t>FRR: 0.31624</a:t>
-                      </a:r>
-                    </a:p>
-                    <a:p>
-                      <a:r>
-                        <a:rPr lang="en-US" dirty="0" smtClean="0"/>
-                        <a:t>FAR: 0.48954</a:t>
-                      </a:r>
-                      <a:endParaRPr lang="en-US" dirty="0"/>
-                    </a:p>
-                  </a:txBody>
-                  <a:tcPr/>
-                </a:tc>
-                <a:tc>
-                  <a:txBody>
-                    <a:bodyPr/>
-                    <a:lstStyle/>
-                    <a:p>
-                      <a:r>
-                        <a:rPr lang="en-US" dirty="0" smtClean="0"/>
-                        <a:t>FRR: 0.16901</a:t>
-                      </a:r>
-                    </a:p>
-                    <a:p>
-                      <a:r>
-                        <a:rPr lang="en-US" dirty="0" smtClean="0"/>
-                        <a:t>FAR: 0.39048</a:t>
-                      </a:r>
-                      <a:endParaRPr lang="en-US" dirty="0"/>
-                    </a:p>
-                  </a:txBody>
-                  <a:tcPr/>
-                </a:tc>
-                <a:tc>
-                  <a:txBody>
-                    <a:bodyPr/>
-                    <a:lstStyle/>
-                    <a:p>
-                      <a:r>
-                        <a:rPr lang="en-US" dirty="0" smtClean="0"/>
-                        <a:t>FRR: 0.13265</a:t>
-                      </a:r>
-                    </a:p>
-                    <a:p>
-                      <a:r>
-                        <a:rPr lang="en-US" dirty="0" smtClean="0"/>
-                        <a:t>FAR: 0.48387</a:t>
-                      </a:r>
-                      <a:endParaRPr lang="en-US" dirty="0"/>
-                    </a:p>
-                  </a:txBody>
-                  <a:tcPr/>
-                </a:tc>
-                <a:tc>
-                  <a:txBody>
-                    <a:bodyPr/>
-                    <a:lstStyle/>
-                    <a:p>
-                      <a:r>
-                        <a:rPr lang="en-US" dirty="0" smtClean="0"/>
-                        <a:t>FRR: 0.31633</a:t>
-                      </a:r>
-                    </a:p>
-                    <a:p>
-                      <a:r>
-                        <a:rPr lang="en-US" dirty="0" smtClean="0"/>
-                        <a:t>FAR: 0.44027</a:t>
-                      </a:r>
-                      <a:endParaRPr lang="en-US" dirty="0"/>
-                    </a:p>
-                  </a:txBody>
-                  <a:tcPr/>
-                </a:tc>
-                <a:tc>
-                  <a:txBody>
-                    <a:bodyPr/>
-                    <a:lstStyle/>
-                    <a:p>
-                      <a:r>
-                        <a:rPr lang="en-US" dirty="0" smtClean="0"/>
-                        <a:t>FRR: 0.32719</a:t>
-                      </a:r>
-                    </a:p>
-                    <a:p>
-                      <a:r>
-                        <a:rPr lang="en-US" dirty="0" smtClean="0"/>
-                        <a:t>FAR: 0.53087</a:t>
+                        <a:t>FRR: 0.32051</a:t>
+                      </a:r>
+                    </a:p>
+                    <a:p>
+                      <a:r>
+                        <a:rPr lang="en-US" dirty="0" smtClean="0"/>
+                        <a:t>FAR: 0.52510</a:t>
+                      </a:r>
+                      <a:endParaRPr lang="en-US" dirty="0"/>
+                    </a:p>
+                  </a:txBody>
+                  <a:tcPr/>
+                </a:tc>
+                <a:tc>
+                  <a:txBody>
+                    <a:bodyPr/>
+                    <a:lstStyle/>
+                    <a:p>
+                      <a:r>
+                        <a:rPr lang="en-US" dirty="0" smtClean="0"/>
+                        <a:t>FRR: 0.30986</a:t>
+                      </a:r>
+                    </a:p>
+                    <a:p>
+                      <a:r>
+                        <a:rPr lang="en-US" dirty="0" smtClean="0"/>
+                        <a:t>FAR: 0.49591</a:t>
+                      </a:r>
+                      <a:endParaRPr lang="en-US" dirty="0"/>
+                    </a:p>
+                  </a:txBody>
+                  <a:tcPr/>
+                </a:tc>
+                <a:tc>
+                  <a:txBody>
+                    <a:bodyPr/>
+                    <a:lstStyle/>
+                    <a:p>
+                      <a:r>
+                        <a:rPr lang="en-US" dirty="0" smtClean="0"/>
+                        <a:t>FRR: 0.11224</a:t>
+                      </a:r>
+                    </a:p>
+                    <a:p>
+                      <a:r>
+                        <a:rPr lang="en-US" dirty="0" smtClean="0"/>
+                        <a:t>FAR: 0.35125</a:t>
+                      </a:r>
+                      <a:endParaRPr lang="en-US" dirty="0"/>
+                    </a:p>
+                  </a:txBody>
+                  <a:tcPr/>
+                </a:tc>
+                <a:tc>
+                  <a:txBody>
+                    <a:bodyPr/>
+                    <a:lstStyle/>
+                    <a:p>
+                      <a:r>
+                        <a:rPr lang="en-US" dirty="0" smtClean="0"/>
+                        <a:t>FRR: 0.11224</a:t>
+                      </a:r>
+                    </a:p>
+                    <a:p>
+                      <a:r>
+                        <a:rPr lang="en-US" dirty="0" smtClean="0"/>
+                        <a:t>FAR: 0.51854</a:t>
+                      </a:r>
+                      <a:endParaRPr lang="en-US" dirty="0"/>
+                    </a:p>
+                  </a:txBody>
+                  <a:tcPr/>
+                </a:tc>
+                <a:tc>
+                  <a:txBody>
+                    <a:bodyPr/>
+                    <a:lstStyle/>
+                    <a:p>
+                      <a:r>
+                        <a:rPr lang="en-US" dirty="0" smtClean="0"/>
+                        <a:t>FRR: 0.31933</a:t>
+                      </a:r>
+                    </a:p>
+                    <a:p>
+                      <a:r>
+                        <a:rPr lang="en-US" dirty="0" smtClean="0"/>
+                        <a:t>FAR: 0.50792</a:t>
                       </a:r>
                       <a:endParaRPr lang="en-US" dirty="0"/>
                     </a:p>
@@ -3561,93 +3561,93 @@
                     <a:p>
                       <a:r>
                         <a:rPr lang="en-US" dirty="0" smtClean="0"/>
-                        <a:t>FRR: 0.34156</a:t>
-                      </a:r>
-                    </a:p>
-                    <a:p>
-                      <a:r>
-                        <a:rPr lang="en-US" dirty="0" smtClean="0"/>
-                        <a:t>FAR: 0.48696</a:t>
-                      </a:r>
-                      <a:endParaRPr lang="en-US" dirty="0"/>
-                    </a:p>
-                  </a:txBody>
-                  <a:tcPr/>
-                </a:tc>
-                <a:tc>
-                  <a:txBody>
-                    <a:bodyPr/>
-                    <a:lstStyle/>
-                    <a:p>
-                      <a:r>
-                        <a:rPr lang="en-US" dirty="0" smtClean="0"/>
-                        <a:t>FRR: 0.16867</a:t>
-                      </a:r>
-                    </a:p>
-                    <a:p>
-                      <a:r>
-                        <a:rPr lang="en-US" dirty="0" smtClean="0"/>
-                        <a:t>FAR: 0.42511</a:t>
-                      </a:r>
-                      <a:endParaRPr lang="en-US" dirty="0"/>
-                    </a:p>
-                  </a:txBody>
-                  <a:tcPr/>
-                </a:tc>
-                <a:tc>
-                  <a:txBody>
-                    <a:bodyPr/>
-                    <a:lstStyle/>
-                    <a:p>
-                      <a:r>
-                        <a:rPr lang="en-US" dirty="0" smtClean="0"/>
-                        <a:t>FRR: 0.11688</a:t>
-                      </a:r>
-                    </a:p>
-                    <a:p>
-                      <a:r>
-                        <a:rPr lang="en-US" dirty="0" smtClean="0"/>
-                        <a:t>FAR: 0.44439</a:t>
-                      </a:r>
-                      <a:endParaRPr lang="en-US" dirty="0"/>
-                    </a:p>
-                  </a:txBody>
-                  <a:tcPr/>
-                </a:tc>
-                <a:tc>
-                  <a:txBody>
-                    <a:bodyPr/>
-                    <a:lstStyle/>
-                    <a:p>
-                      <a:r>
-                        <a:rPr lang="en-US" dirty="0" smtClean="0"/>
-                        <a:t>FRR: 0.23256</a:t>
-                      </a:r>
-                    </a:p>
-                    <a:p>
-                      <a:r>
-                        <a:rPr lang="en-US" dirty="0" smtClean="0"/>
-                        <a:t>FAR: 0.51870</a:t>
-                      </a:r>
-                      <a:endParaRPr lang="en-US" dirty="0"/>
-                    </a:p>
-                  </a:txBody>
-                  <a:tcPr/>
-                </a:tc>
-                <a:tc>
-                  <a:txBody>
-                    <a:bodyPr/>
-                    <a:lstStyle/>
-                    <a:p>
-                      <a:r>
-                        <a:rPr lang="en-US" dirty="0" smtClean="0"/>
-                        <a:t>FRR: 0.21446</a:t>
-                      </a:r>
-                    </a:p>
-                    <a:p>
-                      <a:r>
-                        <a:rPr lang="en-US" dirty="0" smtClean="0"/>
-                        <a:t>FAR: 0.51519</a:t>
+                        <a:t>FRR: 0.24691</a:t>
+                      </a:r>
+                    </a:p>
+                    <a:p>
+                      <a:r>
+                        <a:rPr lang="en-US" dirty="0" smtClean="0"/>
+                        <a:t>FAR: 0.52247</a:t>
+                      </a:r>
+                      <a:endParaRPr lang="en-US" dirty="0"/>
+                    </a:p>
+                  </a:txBody>
+                  <a:tcPr/>
+                </a:tc>
+                <a:tc>
+                  <a:txBody>
+                    <a:bodyPr/>
+                    <a:lstStyle/>
+                    <a:p>
+                      <a:r>
+                        <a:rPr lang="en-US" dirty="0" smtClean="0"/>
+                        <a:t>FRR: 0.15663</a:t>
+                      </a:r>
+                    </a:p>
+                    <a:p>
+                      <a:r>
+                        <a:rPr lang="en-US" dirty="0" smtClean="0"/>
+                        <a:t>FAR: 0.35021</a:t>
+                      </a:r>
+                      <a:endParaRPr lang="en-US" dirty="0"/>
+                    </a:p>
+                  </a:txBody>
+                  <a:tcPr/>
+                </a:tc>
+                <a:tc>
+                  <a:txBody>
+                    <a:bodyPr/>
+                    <a:lstStyle/>
+                    <a:p>
+                      <a:r>
+                        <a:rPr lang="en-US" dirty="0" smtClean="0"/>
+                        <a:t>FRR: 0.07792</a:t>
+                      </a:r>
+                    </a:p>
+                    <a:p>
+                      <a:r>
+                        <a:rPr lang="en-US" dirty="0" smtClean="0"/>
+                        <a:t>FAR: 0.41039</a:t>
+                      </a:r>
+                      <a:endParaRPr lang="en-US" dirty="0" smtClean="0"/>
+                    </a:p>
+                  </a:txBody>
+                  <a:tcPr/>
+                </a:tc>
+                <a:tc>
+                  <a:txBody>
+                    <a:bodyPr/>
+                    <a:lstStyle/>
+                    <a:p>
+                      <a:r>
+                        <a:rPr lang="en-US" dirty="0" smtClean="0"/>
+                        <a:t>FRR: 0.26744</a:t>
+                      </a:r>
+                    </a:p>
+                    <a:p>
+                      <a:r>
+                        <a:rPr lang="en-US" dirty="0" smtClean="0"/>
+                        <a:t>FAR: 0.48353</a:t>
+                      </a:r>
+                      <a:endParaRPr lang="en-US" dirty="0"/>
+                    </a:p>
+                  </a:txBody>
+                  <a:tcPr/>
+                </a:tc>
+                <a:tc>
+                  <a:txBody>
+                    <a:bodyPr/>
+                    <a:lstStyle/>
+                    <a:p>
+                      <a:r>
+                        <a:rPr lang="en-US" dirty="0" smtClean="0"/>
+                        <a:t>FRR: 0.33473</a:t>
+                      </a:r>
+                    </a:p>
+                    <a:p>
+                      <a:r>
+                        <a:rPr lang="en-US" dirty="0" smtClean="0"/>
+                        <a:t>FAR: 0.50170</a:t>
                       </a:r>
                       <a:endParaRPr lang="en-US" dirty="0"/>
                     </a:p>
@@ -3686,93 +3686,93 @@
                     <a:p>
                       <a:r>
                         <a:rPr lang="en-US" dirty="0" smtClean="0"/>
-                        <a:t>FRR: 0.20779</a:t>
-                      </a:r>
-                    </a:p>
-                    <a:p>
-                      <a:r>
-                        <a:rPr lang="en-US" dirty="0" smtClean="0"/>
-                        <a:t>FAR: 0.49576</a:t>
-                      </a:r>
-                      <a:endParaRPr lang="en-US" dirty="0"/>
-                    </a:p>
-                  </a:txBody>
-                  <a:tcPr/>
-                </a:tc>
-                <a:tc>
-                  <a:txBody>
-                    <a:bodyPr/>
-                    <a:lstStyle/>
-                    <a:p>
-                      <a:r>
-                        <a:rPr lang="en-US" dirty="0" smtClean="0"/>
-                        <a:t>FRR: 0.10145</a:t>
-                      </a:r>
-                    </a:p>
-                    <a:p>
-                      <a:r>
-                        <a:rPr lang="en-US" dirty="0" smtClean="0"/>
-                        <a:t>FAR: 0.37335</a:t>
-                      </a:r>
-                      <a:endParaRPr lang="en-US" dirty="0"/>
-                    </a:p>
-                  </a:txBody>
-                  <a:tcPr/>
-                </a:tc>
-                <a:tc>
-                  <a:txBody>
-                    <a:bodyPr/>
-                    <a:lstStyle/>
-                    <a:p>
-                      <a:r>
-                        <a:rPr lang="en-US" dirty="0" smtClean="0"/>
-                        <a:t>FRR: 0.14118</a:t>
-                      </a:r>
-                    </a:p>
-                    <a:p>
-                      <a:r>
-                        <a:rPr lang="en-US" dirty="0" smtClean="0"/>
-                        <a:t>FAR: 0.47697</a:t>
-                      </a:r>
-                      <a:endParaRPr lang="en-US" dirty="0"/>
-                    </a:p>
-                  </a:txBody>
-                  <a:tcPr/>
-                </a:tc>
-                <a:tc>
-                  <a:txBody>
-                    <a:bodyPr/>
-                    <a:lstStyle/>
-                    <a:p>
-                      <a:r>
-                        <a:rPr lang="en-US" dirty="0" smtClean="0"/>
-                        <a:t>FRR: 0.16854</a:t>
-                      </a:r>
-                    </a:p>
-                    <a:p>
-                      <a:r>
-                        <a:rPr lang="en-US" dirty="0" smtClean="0"/>
-                        <a:t>FAR: 0.46457</a:t>
-                      </a:r>
-                      <a:endParaRPr lang="en-US" dirty="0"/>
-                    </a:p>
-                  </a:txBody>
-                  <a:tcPr/>
-                </a:tc>
-                <a:tc>
-                  <a:txBody>
-                    <a:bodyPr/>
-                    <a:lstStyle/>
-                    <a:p>
-                      <a:r>
-                        <a:rPr lang="en-US" dirty="0" smtClean="0"/>
-                        <a:t>FRR: 0.35122</a:t>
-                      </a:r>
-                    </a:p>
-                    <a:p>
-                      <a:r>
-                        <a:rPr lang="en-US" dirty="0" smtClean="0"/>
-                        <a:t>FAR: 0.51179</a:t>
+                        <a:t>FRR: 0.26840</a:t>
+                      </a:r>
+                    </a:p>
+                    <a:p>
+                      <a:r>
+                        <a:rPr lang="en-US" dirty="0" smtClean="0"/>
+                        <a:t>FAR: 0.50883</a:t>
+                      </a:r>
+                      <a:endParaRPr lang="en-US" dirty="0"/>
+                    </a:p>
+                  </a:txBody>
+                  <a:tcPr/>
+                </a:tc>
+                <a:tc>
+                  <a:txBody>
+                    <a:bodyPr/>
+                    <a:lstStyle/>
+                    <a:p>
+                      <a:r>
+                        <a:rPr lang="en-US" dirty="0" smtClean="0"/>
+                        <a:t>FRR: 0.07246</a:t>
+                      </a:r>
+                    </a:p>
+                    <a:p>
+                      <a:r>
+                        <a:rPr lang="en-US" dirty="0" smtClean="0"/>
+                        <a:t>FAR: 0.46694</a:t>
+                      </a:r>
+                      <a:endParaRPr lang="en-US" dirty="0"/>
+                    </a:p>
+                  </a:txBody>
+                  <a:tcPr/>
+                </a:tc>
+                <a:tc>
+                  <a:txBody>
+                    <a:bodyPr/>
+                    <a:lstStyle/>
+                    <a:p>
+                      <a:r>
+                        <a:rPr lang="en-US" dirty="0" smtClean="0"/>
+                        <a:t>FRR: 0.05882</a:t>
+                      </a:r>
+                    </a:p>
+                    <a:p>
+                      <a:r>
+                        <a:rPr lang="en-US" dirty="0" smtClean="0"/>
+                        <a:t>FAR: 0.45072</a:t>
+                      </a:r>
+                      <a:endParaRPr lang="en-US" dirty="0"/>
+                    </a:p>
+                  </a:txBody>
+                  <a:tcPr/>
+                </a:tc>
+                <a:tc>
+                  <a:txBody>
+                    <a:bodyPr/>
+                    <a:lstStyle/>
+                    <a:p>
+                      <a:r>
+                        <a:rPr lang="en-US" dirty="0" smtClean="0"/>
+                        <a:t>FRR: 0.11236</a:t>
+                      </a:r>
+                    </a:p>
+                    <a:p>
+                      <a:r>
+                        <a:rPr lang="en-US" dirty="0" smtClean="0"/>
+                        <a:t>FAR: 0.37085</a:t>
+                      </a:r>
+                      <a:endParaRPr lang="en-US" dirty="0"/>
+                    </a:p>
+                  </a:txBody>
+                  <a:tcPr/>
+                </a:tc>
+                <a:tc>
+                  <a:txBody>
+                    <a:bodyPr/>
+                    <a:lstStyle/>
+                    <a:p>
+                      <a:r>
+                        <a:rPr lang="en-US" dirty="0" smtClean="0"/>
+                        <a:t>FRR: 0.33051</a:t>
+                      </a:r>
+                    </a:p>
+                    <a:p>
+                      <a:r>
+                        <a:rPr lang="en-US" dirty="0" smtClean="0"/>
+                        <a:t>FAR: 0.48112</a:t>
                       </a:r>
                       <a:endParaRPr lang="en-US" dirty="0"/>
                     </a:p>
@@ -3811,33 +3811,33 @@
                     <a:p>
                       <a:r>
                         <a:rPr lang="en-US" dirty="0" smtClean="0"/>
-                        <a:t>FRR: 0.42986</a:t>
-                      </a:r>
-                    </a:p>
-                    <a:p>
-                      <a:r>
-                        <a:rPr lang="en-US" dirty="0" smtClean="0"/>
-                        <a:t>FAR: 0.48637</a:t>
-                      </a:r>
-                      <a:endParaRPr lang="en-US" dirty="0"/>
-                    </a:p>
-                  </a:txBody>
-                  <a:tcPr/>
-                </a:tc>
-                <a:tc>
-                  <a:txBody>
-                    <a:bodyPr/>
-                    <a:lstStyle/>
-                    <a:p>
-                      <a:r>
-                        <a:rPr lang="en-US" dirty="0" smtClean="0"/>
-                        <a:t>FRR: 0.05970</a:t>
-                      </a:r>
-                    </a:p>
-                    <a:p>
-                      <a:r>
-                        <a:rPr lang="en-US" dirty="0" smtClean="0"/>
-                        <a:t>FAR: 0.45169</a:t>
+                        <a:t>FRR: 0.36199</a:t>
+                      </a:r>
+                    </a:p>
+                    <a:p>
+                      <a:r>
+                        <a:rPr lang="en-US" dirty="0" smtClean="0"/>
+                        <a:t>FAR: 0.48957</a:t>
+                      </a:r>
+                      <a:endParaRPr lang="en-US" dirty="0"/>
+                    </a:p>
+                  </a:txBody>
+                  <a:tcPr/>
+                </a:tc>
+                <a:tc>
+                  <a:txBody>
+                    <a:bodyPr/>
+                    <a:lstStyle/>
+                    <a:p>
+                      <a:r>
+                        <a:rPr lang="en-US" dirty="0" smtClean="0"/>
+                        <a:t>FRR: 0.11940</a:t>
+                      </a:r>
+                    </a:p>
+                    <a:p>
+                      <a:r>
+                        <a:rPr lang="en-US" dirty="0" smtClean="0"/>
+                        <a:t>FAR: 0.30703</a:t>
                       </a:r>
                       <a:endParaRPr lang="en-US" dirty="0"/>
                     </a:p>
@@ -3857,47 +3857,47 @@
                     <a:p>
                       <a:r>
                         <a:rPr lang="en-US" dirty="0" smtClean="0"/>
-                        <a:t>FAR: 0.41742</a:t>
-                      </a:r>
-                      <a:endParaRPr lang="en-US" dirty="0"/>
-                    </a:p>
-                  </a:txBody>
-                  <a:tcPr/>
-                </a:tc>
-                <a:tc>
-                  <a:txBody>
-                    <a:bodyPr/>
-                    <a:lstStyle/>
-                    <a:p>
-                      <a:r>
-                        <a:rPr lang="en-US" dirty="0" smtClean="0"/>
-                        <a:t>FRR: 0.06944</a:t>
-                      </a:r>
-                    </a:p>
-                    <a:p>
-                      <a:r>
-                        <a:rPr lang="en-US" dirty="0" smtClean="0"/>
-                        <a:t>FAR: 0.43826</a:t>
-                      </a:r>
-                      <a:endParaRPr lang="en-US" dirty="0"/>
-                    </a:p>
-                  </a:txBody>
-                  <a:tcPr/>
-                </a:tc>
-                <a:tc>
-                  <a:txBody>
-                    <a:bodyPr/>
-                    <a:lstStyle/>
-                    <a:p>
-                      <a:r>
-                        <a:rPr lang="en-US" dirty="0" smtClean="0"/>
-                        <a:t>FRR: 0.44321</a:t>
-                      </a:r>
-                    </a:p>
-                    <a:p>
-                      <a:r>
-                        <a:rPr lang="en-US" dirty="0" smtClean="0"/>
-                        <a:t>FAR: 0.49281</a:t>
+                        <a:t>FAR: 0.25225</a:t>
+                      </a:r>
+                      <a:endParaRPr lang="en-US" dirty="0"/>
+                    </a:p>
+                  </a:txBody>
+                  <a:tcPr/>
+                </a:tc>
+                <a:tc>
+                  <a:txBody>
+                    <a:bodyPr/>
+                    <a:lstStyle/>
+                    <a:p>
+                      <a:r>
+                        <a:rPr lang="en-US" dirty="0" smtClean="0"/>
+                        <a:t>FRR: 0.13889</a:t>
+                      </a:r>
+                    </a:p>
+                    <a:p>
+                      <a:r>
+                        <a:rPr lang="en-US" dirty="0" smtClean="0"/>
+                        <a:t>FAR: 0.49439</a:t>
+                      </a:r>
+                      <a:endParaRPr lang="en-US" dirty="0"/>
+                    </a:p>
+                  </a:txBody>
+                  <a:tcPr/>
+                </a:tc>
+                <a:tc>
+                  <a:txBody>
+                    <a:bodyPr/>
+                    <a:lstStyle/>
+                    <a:p>
+                      <a:r>
+                        <a:rPr lang="en-US" dirty="0" smtClean="0"/>
+                        <a:t>FRR: 0.33632</a:t>
+                      </a:r>
+                    </a:p>
+                    <a:p>
+                      <a:r>
+                        <a:rPr lang="en-US" dirty="0" smtClean="0"/>
+                        <a:t>FAR: 0.50311</a:t>
                       </a:r>
                       <a:endParaRPr lang="en-US" dirty="0"/>
                     </a:p>
@@ -3950,93 +3950,93 @@
                     <a:p>
                       <a:r>
                         <a:rPr lang="en-US" dirty="0" smtClean="0"/>
-                        <a:t>FRR: 0.27309</a:t>
-                      </a:r>
-                    </a:p>
-                    <a:p>
-                      <a:r>
-                        <a:rPr lang="en-US" dirty="0" smtClean="0"/>
-                        <a:t>FAR: 0.51715</a:t>
-                      </a:r>
-                      <a:endParaRPr lang="en-US" dirty="0"/>
-                    </a:p>
-                  </a:txBody>
-                  <a:tcPr/>
-                </a:tc>
-                <a:tc>
-                  <a:txBody>
-                    <a:bodyPr/>
-                    <a:lstStyle/>
-                    <a:p>
-                      <a:r>
-                        <a:rPr lang="en-US" dirty="0" smtClean="0"/>
-                        <a:t>FRR: 0.31915</a:t>
-                      </a:r>
-                    </a:p>
-                    <a:p>
-                      <a:r>
-                        <a:rPr lang="en-US" dirty="0" smtClean="0"/>
-                        <a:t>FAR: 0.50163</a:t>
-                      </a:r>
-                      <a:endParaRPr lang="en-US" dirty="0"/>
-                    </a:p>
-                  </a:txBody>
-                  <a:tcPr/>
-                </a:tc>
-                <a:tc>
-                  <a:txBody>
-                    <a:bodyPr/>
-                    <a:lstStyle/>
-                    <a:p>
-                      <a:r>
-                        <a:rPr lang="en-US" dirty="0" smtClean="0"/>
-                        <a:t>FRR: 0.16832</a:t>
-                      </a:r>
-                    </a:p>
-                    <a:p>
-                      <a:r>
-                        <a:rPr lang="en-US" dirty="0" smtClean="0"/>
-                        <a:t>FAR: 0.48066</a:t>
-                      </a:r>
-                      <a:endParaRPr lang="en-US" dirty="0"/>
-                    </a:p>
-                  </a:txBody>
-                  <a:tcPr/>
-                </a:tc>
-                <a:tc>
-                  <a:txBody>
-                    <a:bodyPr/>
-                    <a:lstStyle/>
-                    <a:p>
-                      <a:r>
-                        <a:rPr lang="en-US" dirty="0" smtClean="0"/>
-                        <a:t>FRR: 0.30476</a:t>
-                      </a:r>
-                    </a:p>
-                    <a:p>
-                      <a:r>
-                        <a:rPr lang="en-US" dirty="0" smtClean="0"/>
-                        <a:t>FAR: 0.55829</a:t>
-                      </a:r>
-                      <a:endParaRPr lang="en-US" dirty="0"/>
-                    </a:p>
-                  </a:txBody>
-                  <a:tcPr/>
-                </a:tc>
-                <a:tc>
-                  <a:txBody>
-                    <a:bodyPr/>
-                    <a:lstStyle/>
-                    <a:p>
-                      <a:r>
-                        <a:rPr lang="en-US" dirty="0" smtClean="0"/>
-                        <a:t>FRR: 0.51991</a:t>
-                      </a:r>
-                    </a:p>
-                    <a:p>
-                      <a:r>
-                        <a:rPr lang="en-US" dirty="0" smtClean="0"/>
-                        <a:t>FAR: 0.50220</a:t>
+                        <a:t>FRR: 0.44980</a:t>
+                      </a:r>
+                    </a:p>
+                    <a:p>
+                      <a:r>
+                        <a:rPr lang="en-US" dirty="0" smtClean="0"/>
+                        <a:t>FAR: 0.50543</a:t>
+                      </a:r>
+                      <a:endParaRPr lang="en-US" dirty="0"/>
+                    </a:p>
+                  </a:txBody>
+                  <a:tcPr/>
+                </a:tc>
+                <a:tc>
+                  <a:txBody>
+                    <a:bodyPr/>
+                    <a:lstStyle/>
+                    <a:p>
+                      <a:r>
+                        <a:rPr lang="en-US" dirty="0" smtClean="0"/>
+                        <a:t>FRR: 0.10638</a:t>
+                      </a:r>
+                    </a:p>
+                    <a:p>
+                      <a:r>
+                        <a:rPr lang="en-US" dirty="0" smtClean="0"/>
+                        <a:t>FAR: 0.35489</a:t>
+                      </a:r>
+                      <a:endParaRPr lang="en-US" dirty="0"/>
+                    </a:p>
+                  </a:txBody>
+                  <a:tcPr/>
+                </a:tc>
+                <a:tc>
+                  <a:txBody>
+                    <a:bodyPr/>
+                    <a:lstStyle/>
+                    <a:p>
+                      <a:r>
+                        <a:rPr lang="en-US" dirty="0" smtClean="0"/>
+                        <a:t>FRR: 0.38614</a:t>
+                      </a:r>
+                    </a:p>
+                    <a:p>
+                      <a:r>
+                        <a:rPr lang="en-US" dirty="0" smtClean="0"/>
+                        <a:t>FAR: 0.42651</a:t>
+                      </a:r>
+                      <a:endParaRPr lang="en-US" dirty="0" smtClean="0"/>
+                    </a:p>
+                  </a:txBody>
+                  <a:tcPr/>
+                </a:tc>
+                <a:tc>
+                  <a:txBody>
+                    <a:bodyPr/>
+                    <a:lstStyle/>
+                    <a:p>
+                      <a:r>
+                        <a:rPr lang="en-US" dirty="0" smtClean="0"/>
+                        <a:t>FRR: 0.09524</a:t>
+                      </a:r>
+                    </a:p>
+                    <a:p>
+                      <a:r>
+                        <a:rPr lang="en-US" dirty="0" smtClean="0"/>
+                        <a:t>FAR: 0.42313</a:t>
+                      </a:r>
+                      <a:endParaRPr lang="en-US" dirty="0"/>
+                    </a:p>
+                  </a:txBody>
+                  <a:tcPr/>
+                </a:tc>
+                <a:tc>
+                  <a:txBody>
+                    <a:bodyPr/>
+                    <a:lstStyle/>
+                    <a:p>
+                      <a:r>
+                        <a:rPr lang="en-US" dirty="0" smtClean="0"/>
+                        <a:t>FRR: 0.24291</a:t>
+                      </a:r>
+                    </a:p>
+                    <a:p>
+                      <a:r>
+                        <a:rPr lang="en-US" dirty="0" smtClean="0"/>
+                        <a:t>FAR: 0.47554</a:t>
                       </a:r>
                       <a:endParaRPr lang="en-US" dirty="0"/>
                     </a:p>
@@ -4081,93 +4081,93 @@
                     <a:p>
                       <a:r>
                         <a:rPr lang="en-US" dirty="0" smtClean="0"/>
-                        <a:t>FRR: 0.30935</a:t>
-                      </a:r>
-                    </a:p>
-                    <a:p>
-                      <a:r>
-                        <a:rPr lang="en-US" dirty="0" smtClean="0"/>
-                        <a:t>FAR: 0.49921</a:t>
-                      </a:r>
-                      <a:endParaRPr lang="en-US" dirty="0"/>
-                    </a:p>
-                  </a:txBody>
-                  <a:tcPr/>
-                </a:tc>
-                <a:tc>
-                  <a:txBody>
-                    <a:bodyPr/>
-                    <a:lstStyle/>
-                    <a:p>
-                      <a:r>
-                        <a:rPr lang="en-US" dirty="0" smtClean="0"/>
-                        <a:t>FRR: 0.15897</a:t>
-                      </a:r>
-                    </a:p>
-                    <a:p>
-                      <a:r>
-                        <a:rPr lang="en-US" dirty="0" smtClean="0"/>
-                        <a:t>FAR: 0.41953</a:t>
-                      </a:r>
-                      <a:endParaRPr lang="en-US" dirty="0"/>
-                    </a:p>
-                  </a:txBody>
-                  <a:tcPr/>
-                </a:tc>
-                <a:tc>
-                  <a:txBody>
-                    <a:bodyPr/>
-                    <a:lstStyle/>
-                    <a:p>
-                      <a:r>
-                        <a:rPr lang="en-US" dirty="0" smtClean="0"/>
-                        <a:t>FRR: 0.13160</a:t>
-                      </a:r>
-                    </a:p>
-                    <a:p>
-                      <a:r>
-                        <a:rPr lang="en-US" dirty="0" smtClean="0"/>
-                        <a:t>FAR: 0.46219</a:t>
-                      </a:r>
-                      <a:endParaRPr lang="en-US" dirty="0"/>
-                    </a:p>
-                  </a:txBody>
-                  <a:tcPr/>
-                </a:tc>
-                <a:tc>
-                  <a:txBody>
-                    <a:bodyPr/>
-                    <a:lstStyle/>
-                    <a:p>
-                      <a:r>
-                        <a:rPr lang="en-US" dirty="0" smtClean="0"/>
-                        <a:t>FRR: 0.19152</a:t>
-                      </a:r>
-                    </a:p>
-                    <a:p>
-                      <a:r>
-                        <a:rPr lang="en-US" dirty="0" smtClean="0"/>
-                        <a:t>FAR: 0.49598</a:t>
-                      </a:r>
-                      <a:endParaRPr lang="en-US" dirty="0"/>
-                    </a:p>
-                  </a:txBody>
-                  <a:tcPr/>
-                </a:tc>
-                <a:tc>
-                  <a:txBody>
-                    <a:bodyPr/>
-                    <a:lstStyle/>
-                    <a:p>
-                      <a:r>
-                        <a:rPr lang="en-US" dirty="0" smtClean="0"/>
-                        <a:t>FRR: 0.38982</a:t>
-                      </a:r>
-                    </a:p>
-                    <a:p>
-                      <a:r>
-                        <a:rPr lang="en-US" dirty="0" smtClean="0"/>
-                        <a:t>FAR: 0.50738</a:t>
+                        <a:t>FRR: 0.36044</a:t>
+                      </a:r>
+                    </a:p>
+                    <a:p>
+                      <a:r>
+                        <a:rPr lang="en-US" dirty="0" smtClean="0"/>
+                        <a:t>FAR: 0.50980</a:t>
+                      </a:r>
+                      <a:endParaRPr lang="en-US" dirty="0"/>
+                    </a:p>
+                  </a:txBody>
+                  <a:tcPr/>
+                </a:tc>
+                <a:tc>
+                  <a:txBody>
+                    <a:bodyPr/>
+                    <a:lstStyle/>
+                    <a:p>
+                      <a:r>
+                        <a:rPr lang="en-US" dirty="0" smtClean="0"/>
+                        <a:t>FRR: 0.17067</a:t>
+                      </a:r>
+                    </a:p>
+                    <a:p>
+                      <a:r>
+                        <a:rPr lang="en-US" dirty="0" smtClean="0"/>
+                        <a:t>FAR: 0.40939</a:t>
+                      </a:r>
+                      <a:endParaRPr lang="en-US" dirty="0" smtClean="0"/>
+                    </a:p>
+                  </a:txBody>
+                  <a:tcPr/>
+                </a:tc>
+                <a:tc>
+                  <a:txBody>
+                    <a:bodyPr/>
+                    <a:lstStyle/>
+                    <a:p>
+                      <a:r>
+                        <a:rPr lang="en-US" dirty="0" smtClean="0"/>
+                        <a:t>FRR: 0.14689</a:t>
+                      </a:r>
+                    </a:p>
+                    <a:p>
+                      <a:r>
+                        <a:rPr lang="en-US" dirty="0" smtClean="0"/>
+                        <a:t>FAR: 0.35713</a:t>
+                      </a:r>
+                      <a:endParaRPr lang="en-US" dirty="0" smtClean="0"/>
+                    </a:p>
+                  </a:txBody>
+                  <a:tcPr/>
+                </a:tc>
+                <a:tc>
+                  <a:txBody>
+                    <a:bodyPr/>
+                    <a:lstStyle/>
+                    <a:p>
+                      <a:r>
+                        <a:rPr lang="en-US" dirty="0" smtClean="0"/>
+                        <a:t>FRR: 0.14402</a:t>
+                      </a:r>
+                    </a:p>
+                    <a:p>
+                      <a:r>
+                        <a:rPr lang="en-US" dirty="0" smtClean="0"/>
+                        <a:t>FAR: 0.44223</a:t>
+                      </a:r>
+                      <a:endParaRPr lang="en-US" dirty="0" smtClean="0"/>
+                    </a:p>
+                  </a:txBody>
+                  <a:tcPr/>
+                </a:tc>
+                <a:tc>
+                  <a:txBody>
+                    <a:bodyPr/>
+                    <a:lstStyle/>
+                    <a:p>
+                      <a:r>
+                        <a:rPr lang="en-US" dirty="0" smtClean="0"/>
+                        <a:t>FRR: 0.29324</a:t>
+                      </a:r>
+                    </a:p>
+                    <a:p>
+                      <a:r>
+                        <a:rPr lang="en-US" smtClean="0"/>
+                        <a:t>FAR: 0.49187</a:t>
                       </a:r>
                       <a:endParaRPr lang="en-US" dirty="0"/>
                     </a:p>
@@ -4207,13 +4207,8 @@
           <a:p>
             <a:r>
               <a:rPr lang="en-US" dirty="0" smtClean="0"/>
-              <a:t>Title: Average FAR and FRR for all Activities for all users using AE features from non-filtered data with One-class </a:t>
-            </a:r>
-            <a:r>
-              <a:rPr lang="en-US" dirty="0" smtClean="0"/>
-              <a:t>SVMs (3 types of AE with 3 hidden layers)</a:t>
-            </a:r>
-            <a:endParaRPr lang="en-US" dirty="0" smtClean="0"/>
+              <a:t>Title: Average FAR and FRR for all Activities for all users using AE features from non-filtered data with One-class SVMs (3 types of AE with 3 hidden layers)</a:t>
+            </a:r>
           </a:p>
         </p:txBody>
       </p:sp>
@@ -4319,7 +4314,7 @@
           <p:nvPr>
             <p:extLst>
               <p:ext uri="{D42A27DB-BD31-4B8C-83A1-F6EECF244321}">
-                <p14:modId xmlns:p14="http://schemas.microsoft.com/office/powerpoint/2010/main" val="4228235215"/>
+                <p14:modId xmlns:p14="http://schemas.microsoft.com/office/powerpoint/2010/main" val="3125190555"/>
               </p:ext>
             </p:extLst>
           </p:nvPr>
@@ -4528,54 +4523,55 @@
                     <a:p>
                       <a:r>
                         <a:rPr lang="en-US" dirty="0" smtClean="0"/>
-                        <a:t>FRR: 0.21030</a:t>
-                      </a:r>
-                    </a:p>
-                    <a:p>
-                      <a:r>
-                        <a:rPr lang="en-US" dirty="0" smtClean="0"/>
-                        <a:t>FAR: 0.46693</a:t>
-                      </a:r>
-                      <a:endParaRPr lang="en-US" dirty="0"/>
-                    </a:p>
-                  </a:txBody>
-                  <a:tcPr/>
-                </a:tc>
-                <a:tc>
-                  <a:txBody>
-                    <a:bodyPr/>
-                    <a:lstStyle/>
-                    <a:p>
-                      <a:r>
-                        <a:rPr lang="en-US" dirty="0" smtClean="0"/>
-                        <a:t>FRR: 0.16049</a:t>
-                      </a:r>
-                    </a:p>
-                    <a:p>
-                      <a:r>
-                        <a:rPr lang="en-US" dirty="0" smtClean="0"/>
-                        <a:t>FAR: 0.39486</a:t>
-                      </a:r>
-                      <a:endParaRPr lang="en-US" dirty="0"/>
-                    </a:p>
-                  </a:txBody>
-                  <a:tcPr/>
-                </a:tc>
-                <a:tc>
-                  <a:txBody>
-                    <a:bodyPr/>
-                    <a:lstStyle/>
-                    <a:p>
-                      <a:r>
-                        <a:rPr lang="en-US" dirty="0" smtClean="0"/>
-                        <a:t>FRR: 0.04688</a:t>
-                      </a:r>
-                    </a:p>
-                    <a:p>
-                      <a:r>
-                        <a:rPr lang="en-US" dirty="0" smtClean="0"/>
-                        <a:t>FAR: 0.30066</a:t>
-                      </a:r>
+                        <a:t>FRR: 0.15021</a:t>
+                      </a:r>
+                    </a:p>
+                    <a:p>
+                      <a:r>
+                        <a:rPr lang="en-US" dirty="0" smtClean="0"/>
+                        <a:t>FAR: 0.47832</a:t>
+                      </a:r>
+                      <a:endParaRPr lang="en-US" dirty="0"/>
+                    </a:p>
+                  </a:txBody>
+                  <a:tcPr/>
+                </a:tc>
+                <a:tc>
+                  <a:txBody>
+                    <a:bodyPr/>
+                    <a:lstStyle/>
+                    <a:p>
+                      <a:r>
+                        <a:rPr lang="en-US" dirty="0" smtClean="0"/>
+                        <a:t>FRR: 0.11111</a:t>
+                      </a:r>
+                    </a:p>
+                    <a:p>
+                      <a:r>
+                        <a:rPr lang="en-US" dirty="0" smtClean="0"/>
+                        <a:t>FAR: 0.38804</a:t>
+                      </a:r>
+                      <a:endParaRPr lang="en-US" dirty="0"/>
+                    </a:p>
+                  </a:txBody>
+                  <a:tcPr/>
+                </a:tc>
+                <a:tc>
+                  <a:txBody>
+                    <a:bodyPr/>
+                    <a:lstStyle/>
+                    <a:p>
+                      <a:r>
+                        <a:rPr lang="en-US" dirty="0" smtClean="0"/>
+                        <a:t>FRR: 0.10938</a:t>
+                      </a:r>
+                    </a:p>
+                    <a:p>
+                      <a:r>
+                        <a:rPr lang="en-US" dirty="0" smtClean="0"/>
+                        <a:t>FAR: 0.36098</a:t>
+                      </a:r>
+                      <a:endParaRPr lang="en-US" dirty="0" smtClean="0"/>
                     </a:p>
                   </a:txBody>
                   <a:tcPr/>
@@ -4607,13 +4603,13 @@
                     <a:p>
                       <a:r>
                         <a:rPr lang="en-US" dirty="0" smtClean="0"/>
-                        <a:t>FRR: 0.27297</a:t>
-                      </a:r>
-                    </a:p>
-                    <a:p>
-                      <a:r>
-                        <a:rPr lang="en-US" dirty="0" smtClean="0"/>
-                        <a:t>FAR: 0.52200</a:t>
+                        <a:t>FRR: 0.21839</a:t>
+                      </a:r>
+                    </a:p>
+                    <a:p>
+                      <a:r>
+                        <a:rPr lang="en-US" dirty="0" smtClean="0"/>
+                        <a:t>FAR: 0.44732</a:t>
                       </a:r>
                       <a:endParaRPr lang="en-US" dirty="0"/>
                     </a:p>
@@ -4652,53 +4648,53 @@
                     <a:p>
                       <a:r>
                         <a:rPr lang="en-US" dirty="0" smtClean="0"/>
-                        <a:t>FRR: 0.26068</a:t>
-                      </a:r>
-                    </a:p>
-                    <a:p>
-                      <a:r>
-                        <a:rPr lang="en-US" dirty="0" smtClean="0"/>
-                        <a:t>FAR: 0.52782</a:t>
-                      </a:r>
-                      <a:endParaRPr lang="en-US" dirty="0"/>
-                    </a:p>
-                  </a:txBody>
-                  <a:tcPr/>
-                </a:tc>
-                <a:tc>
-                  <a:txBody>
-                    <a:bodyPr/>
-                    <a:lstStyle/>
-                    <a:p>
-                      <a:r>
-                        <a:rPr lang="en-US" dirty="0" smtClean="0"/>
-                        <a:t>FRR: 0.29577</a:t>
-                      </a:r>
-                    </a:p>
-                    <a:p>
-                      <a:r>
-                        <a:rPr lang="en-US" dirty="0" smtClean="0"/>
-                        <a:t>FAR: 0.55374</a:t>
-                      </a:r>
-                      <a:endParaRPr lang="en-US" dirty="0"/>
-                    </a:p>
-                  </a:txBody>
-                  <a:tcPr/>
-                </a:tc>
-                <a:tc>
-                  <a:txBody>
-                    <a:bodyPr/>
-                    <a:lstStyle/>
-                    <a:p>
-                      <a:r>
-                        <a:rPr lang="en-US" dirty="0" smtClean="0"/>
-                        <a:t>FRR: 0.09184</a:t>
-                      </a:r>
-                    </a:p>
-                    <a:p>
-                      <a:r>
-                        <a:rPr lang="en-US" dirty="0" smtClean="0"/>
-                        <a:t>FAR: 0.39171</a:t>
+                        <a:t>FRR: 0.30769</a:t>
+                      </a:r>
+                    </a:p>
+                    <a:p>
+                      <a:r>
+                        <a:rPr lang="en-US" dirty="0" smtClean="0"/>
+                        <a:t>FAR: 0.51217</a:t>
+                      </a:r>
+                      <a:endParaRPr lang="en-US" dirty="0"/>
+                    </a:p>
+                  </a:txBody>
+                  <a:tcPr/>
+                </a:tc>
+                <a:tc>
+                  <a:txBody>
+                    <a:bodyPr/>
+                    <a:lstStyle/>
+                    <a:p>
+                      <a:r>
+                        <a:rPr lang="en-US" dirty="0" smtClean="0"/>
+                        <a:t>FRR: 0.15493</a:t>
+                      </a:r>
+                    </a:p>
+                    <a:p>
+                      <a:r>
+                        <a:rPr lang="en-US" dirty="0" smtClean="0"/>
+                        <a:t>FAR: 0.43245</a:t>
+                      </a:r>
+                      <a:endParaRPr lang="en-US" dirty="0"/>
+                    </a:p>
+                  </a:txBody>
+                  <a:tcPr/>
+                </a:tc>
+                <a:tc>
+                  <a:txBody>
+                    <a:bodyPr/>
+                    <a:lstStyle/>
+                    <a:p>
+                      <a:r>
+                        <a:rPr lang="en-US" dirty="0" smtClean="0"/>
+                        <a:t>FRR: 0.10204</a:t>
+                      </a:r>
+                    </a:p>
+                    <a:p>
+                      <a:r>
+                        <a:rPr lang="en-US" dirty="0" smtClean="0"/>
+                        <a:t>FAR: 0.38249</a:t>
                       </a:r>
                       <a:endParaRPr lang="en-US" dirty="0"/>
                     </a:p>
@@ -4732,13 +4728,13 @@
                     <a:p>
                       <a:r>
                         <a:rPr lang="en-US" dirty="0" smtClean="0"/>
-                        <a:t>FRR: 0.31336</a:t>
-                      </a:r>
-                    </a:p>
-                    <a:p>
-                      <a:r>
-                        <a:rPr lang="en-US" dirty="0" smtClean="0"/>
-                        <a:t>FAR: 0.52718</a:t>
+                        <a:t>FRR: 0.10204</a:t>
+                      </a:r>
+                    </a:p>
+                    <a:p>
+                      <a:r>
+                        <a:rPr lang="en-US" dirty="0" smtClean="0"/>
+                        <a:t>FAR: 0.49977</a:t>
                       </a:r>
                       <a:endParaRPr lang="en-US" dirty="0"/>
                     </a:p>
@@ -4777,53 +4773,53 @@
                     <a:p>
                       <a:r>
                         <a:rPr lang="en-US" dirty="0" smtClean="0"/>
-                        <a:t>FRR: 0.33333</a:t>
-                      </a:r>
-                    </a:p>
-                    <a:p>
-                      <a:r>
-                        <a:rPr lang="en-US" dirty="0" smtClean="0"/>
-                        <a:t>FAR: 0.51870</a:t>
-                      </a:r>
-                      <a:endParaRPr lang="en-US" dirty="0"/>
-                    </a:p>
-                  </a:txBody>
-                  <a:tcPr/>
-                </a:tc>
-                <a:tc>
-                  <a:txBody>
-                    <a:bodyPr/>
-                    <a:lstStyle/>
-                    <a:p>
-                      <a:r>
-                        <a:rPr lang="en-US" dirty="0" smtClean="0"/>
-                        <a:t>FRR: 0.19277</a:t>
-                      </a:r>
-                    </a:p>
-                    <a:p>
-                      <a:r>
-                        <a:rPr lang="en-US" dirty="0" smtClean="0"/>
-                        <a:t>FAR: 0.51424</a:t>
-                      </a:r>
-                      <a:endParaRPr lang="en-US" dirty="0"/>
-                    </a:p>
-                  </a:txBody>
-                  <a:tcPr/>
-                </a:tc>
-                <a:tc>
-                  <a:txBody>
-                    <a:bodyPr/>
-                    <a:lstStyle/>
-                    <a:p>
-                      <a:r>
-                        <a:rPr lang="en-US" dirty="0" smtClean="0"/>
-                        <a:t>FRR: 0.22078</a:t>
-                      </a:r>
-                    </a:p>
-                    <a:p>
-                      <a:r>
-                        <a:rPr lang="en-US" dirty="0" smtClean="0"/>
-                        <a:t>FAR: 0.51141</a:t>
+                        <a:t>FRR: 0.16872</a:t>
+                      </a:r>
+                    </a:p>
+                    <a:p>
+                      <a:r>
+                        <a:rPr lang="en-US" dirty="0" smtClean="0"/>
+                        <a:t>FAR: 0.51012</a:t>
+                      </a:r>
+                      <a:endParaRPr lang="en-US" dirty="0"/>
+                    </a:p>
+                  </a:txBody>
+                  <a:tcPr/>
+                </a:tc>
+                <a:tc>
+                  <a:txBody>
+                    <a:bodyPr/>
+                    <a:lstStyle/>
+                    <a:p>
+                      <a:r>
+                        <a:rPr lang="en-US" dirty="0" smtClean="0"/>
+                        <a:t>FRR: 0.15663</a:t>
+                      </a:r>
+                    </a:p>
+                    <a:p>
+                      <a:r>
+                        <a:rPr lang="en-US" dirty="0" smtClean="0"/>
+                        <a:t>FAR: 0.36076</a:t>
+                      </a:r>
+                      <a:endParaRPr lang="en-US" dirty="0"/>
+                    </a:p>
+                  </a:txBody>
+                  <a:tcPr/>
+                </a:tc>
+                <a:tc>
+                  <a:txBody>
+                    <a:bodyPr/>
+                    <a:lstStyle/>
+                    <a:p>
+                      <a:r>
+                        <a:rPr lang="en-US" dirty="0" smtClean="0"/>
+                        <a:t>FRR: 0.09091</a:t>
+                      </a:r>
+                    </a:p>
+                    <a:p>
+                      <a:r>
+                        <a:rPr lang="en-US" dirty="0" smtClean="0"/>
+                        <a:t>FAR: 0.33609</a:t>
                       </a:r>
                       <a:endParaRPr lang="en-US" dirty="0"/>
                     </a:p>
@@ -4857,13 +4853,13 @@
                     <a:p>
                       <a:r>
                         <a:rPr lang="en-US" dirty="0" smtClean="0"/>
-                        <a:t>FRR: 0.27681</a:t>
-                      </a:r>
-                    </a:p>
-                    <a:p>
-                      <a:r>
-                        <a:rPr lang="en-US" dirty="0" smtClean="0"/>
-                        <a:t>FAR: 0.54906</a:t>
+                        <a:t>FRR: 0.18605</a:t>
+                      </a:r>
+                    </a:p>
+                    <a:p>
+                      <a:r>
+                        <a:rPr lang="en-US" dirty="0" smtClean="0"/>
+                        <a:t>FAR: 0.58727</a:t>
                       </a:r>
                       <a:endParaRPr lang="en-US" dirty="0"/>
                     </a:p>
@@ -4902,33 +4898,33 @@
                     <a:p>
                       <a:r>
                         <a:rPr lang="en-US" dirty="0" smtClean="0"/>
-                        <a:t>FRR: 0.36797</a:t>
-                      </a:r>
-                    </a:p>
-                    <a:p>
-                      <a:r>
-                        <a:rPr lang="en-US" dirty="0" smtClean="0"/>
-                        <a:t>FAR: 0.49847</a:t>
-                      </a:r>
-                      <a:endParaRPr lang="en-US" dirty="0"/>
-                    </a:p>
-                  </a:txBody>
-                  <a:tcPr/>
-                </a:tc>
-                <a:tc>
-                  <a:txBody>
-                    <a:bodyPr/>
-                    <a:lstStyle/>
-                    <a:p>
-                      <a:r>
-                        <a:rPr lang="en-US" dirty="0" smtClean="0"/>
-                        <a:t>FRR: 0.13043</a:t>
-                      </a:r>
-                    </a:p>
-                    <a:p>
-                      <a:r>
-                        <a:rPr lang="en-US" dirty="0" smtClean="0"/>
-                        <a:t>FAR: 0.41048</a:t>
+                        <a:t>FRR: 0.50649</a:t>
+                      </a:r>
+                    </a:p>
+                    <a:p>
+                      <a:r>
+                        <a:rPr lang="en-US" dirty="0" smtClean="0"/>
+                        <a:t>FAR: 0.47692</a:t>
+                      </a:r>
+                      <a:endParaRPr lang="en-US" dirty="0"/>
+                    </a:p>
+                  </a:txBody>
+                  <a:tcPr/>
+                </a:tc>
+                <a:tc>
+                  <a:txBody>
+                    <a:bodyPr/>
+                    <a:lstStyle/>
+                    <a:p>
+                      <a:r>
+                        <a:rPr lang="en-US" dirty="0" smtClean="0"/>
+                        <a:t>FRR: 0.10145</a:t>
+                      </a:r>
+                    </a:p>
+                    <a:p>
+                      <a:r>
+                        <a:rPr lang="en-US" dirty="0" smtClean="0"/>
+                        <a:t>FAR: 0.31027</a:t>
                       </a:r>
                       <a:endParaRPr lang="en-US" dirty="0"/>
                     </a:p>
@@ -4948,7 +4944,7 @@
                     <a:p>
                       <a:r>
                         <a:rPr lang="en-US" dirty="0" smtClean="0"/>
-                        <a:t>FAR: 0.44180</a:t>
+                        <a:t>FAR: 0.29866</a:t>
                       </a:r>
                       <a:endParaRPr lang="en-US" dirty="0"/>
                     </a:p>
@@ -4982,13 +4978,13 @@
                     <a:p>
                       <a:r>
                         <a:rPr lang="en-US" dirty="0" smtClean="0"/>
-                        <a:t>FRR: 0.58293</a:t>
-                      </a:r>
-                    </a:p>
-                    <a:p>
-                      <a:r>
-                        <a:rPr lang="en-US" dirty="0" smtClean="0"/>
-                        <a:t>FAR: 0.48080</a:t>
+                        <a:t>FRR: 0.10112</a:t>
+                      </a:r>
+                    </a:p>
+                    <a:p>
+                      <a:r>
+                        <a:rPr lang="en-US" dirty="0" smtClean="0"/>
+                        <a:t>FAR: 0.31076</a:t>
                       </a:r>
                       <a:endParaRPr lang="en-US" dirty="0"/>
                     </a:p>
@@ -5027,15 +5023,15 @@
                     <a:p>
                       <a:r>
                         <a:rPr lang="en-US" dirty="0" smtClean="0"/>
-                        <a:t>FRR: 0.56561</a:t>
-                      </a:r>
-                    </a:p>
-                    <a:p>
-                      <a:r>
-                        <a:rPr lang="en-US" dirty="0" smtClean="0"/>
-                        <a:t>FAR: 0.49226</a:t>
-                      </a:r>
-                      <a:endParaRPr lang="en-US" dirty="0"/>
+                        <a:t>FRR: 0.31674</a:t>
+                      </a:r>
+                    </a:p>
+                    <a:p>
+                      <a:r>
+                        <a:rPr lang="en-US" dirty="0" smtClean="0"/>
+                        <a:t>FAR: 0.51582</a:t>
+                      </a:r>
+                      <a:endParaRPr lang="en-US" dirty="0" smtClean="0"/>
                     </a:p>
                   </a:txBody>
                   <a:tcPr/>
@@ -5053,27 +5049,27 @@
                     <a:p>
                       <a:r>
                         <a:rPr lang="en-US" dirty="0" smtClean="0"/>
-                        <a:t>FAR: 0.42135</a:t>
-                      </a:r>
-                      <a:endParaRPr lang="en-US" dirty="0"/>
-                    </a:p>
-                  </a:txBody>
-                  <a:tcPr/>
-                </a:tc>
-                <a:tc>
-                  <a:txBody>
-                    <a:bodyPr/>
-                    <a:lstStyle/>
-                    <a:p>
-                      <a:r>
-                        <a:rPr lang="en-US" dirty="0" smtClean="0"/>
-                        <a:t>FRR: 0.09091</a:t>
-                      </a:r>
-                    </a:p>
-                    <a:p>
-                      <a:r>
-                        <a:rPr lang="en-US" dirty="0" smtClean="0"/>
-                        <a:t>FAR: 0.45007</a:t>
+                        <a:t>FAR: 0.23470</a:t>
+                      </a:r>
+                      <a:endParaRPr lang="en-US" dirty="0"/>
+                    </a:p>
+                  </a:txBody>
+                  <a:tcPr/>
+                </a:tc>
+                <a:tc>
+                  <a:txBody>
+                    <a:bodyPr/>
+                    <a:lstStyle/>
+                    <a:p>
+                      <a:r>
+                        <a:rPr lang="en-US" dirty="0" smtClean="0"/>
+                        <a:t>FRR: 0.13636</a:t>
+                      </a:r>
+                    </a:p>
+                    <a:p>
+                      <a:r>
+                        <a:rPr lang="en-US" dirty="0" smtClean="0"/>
+                        <a:t>FAR: 0.19640</a:t>
                       </a:r>
                       <a:endParaRPr lang="en-US" dirty="0"/>
                     </a:p>
@@ -5107,13 +5103,13 @@
                     <a:p>
                       <a:r>
                         <a:rPr lang="en-US" dirty="0" smtClean="0"/>
-                        <a:t>FRR: 0.20499</a:t>
-                      </a:r>
-                    </a:p>
-                    <a:p>
-                      <a:r>
-                        <a:rPr lang="en-US" dirty="0" smtClean="0"/>
-                        <a:t>FAR: 0.53412</a:t>
+                        <a:t>FRR: 0.08333</a:t>
+                      </a:r>
+                    </a:p>
+                    <a:p>
+                      <a:r>
+                        <a:rPr lang="en-US" dirty="0" smtClean="0"/>
+                        <a:t>FAR: 0.36183</a:t>
                       </a:r>
                       <a:endParaRPr lang="en-US" dirty="0"/>
                     </a:p>
@@ -5166,53 +5162,53 @@
                     <a:p>
                       <a:r>
                         <a:rPr lang="en-US" dirty="0" smtClean="0"/>
-                        <a:t>FRR: 0.36948</a:t>
-                      </a:r>
-                    </a:p>
-                    <a:p>
-                      <a:r>
-                        <a:rPr lang="en-US" dirty="0" smtClean="0"/>
-                        <a:t>FAR: 0.49785</a:t>
-                      </a:r>
-                      <a:endParaRPr lang="en-US" dirty="0"/>
-                    </a:p>
-                  </a:txBody>
-                  <a:tcPr/>
-                </a:tc>
-                <a:tc>
-                  <a:txBody>
-                    <a:bodyPr/>
-                    <a:lstStyle/>
-                    <a:p>
-                      <a:r>
-                        <a:rPr lang="en-US" dirty="0" smtClean="0"/>
-                        <a:t>FRR: 0.26596</a:t>
-                      </a:r>
-                    </a:p>
-                    <a:p>
-                      <a:r>
-                        <a:rPr lang="en-US" dirty="0" smtClean="0"/>
-                        <a:t>FAR: 0.49293</a:t>
-                      </a:r>
-                      <a:endParaRPr lang="en-US" dirty="0"/>
-                    </a:p>
-                  </a:txBody>
-                  <a:tcPr/>
-                </a:tc>
-                <a:tc>
-                  <a:txBody>
-                    <a:bodyPr/>
-                    <a:lstStyle/>
-                    <a:p>
-                      <a:r>
-                        <a:rPr lang="en-US" dirty="0" smtClean="0"/>
-                        <a:t>FRR: 0.07921</a:t>
-                      </a:r>
-                    </a:p>
-                    <a:p>
-                      <a:r>
-                        <a:rPr lang="en-US" dirty="0" smtClean="0"/>
-                        <a:t>FAR: 0.40743</a:t>
+                        <a:t>FRR: 0.30120</a:t>
+                      </a:r>
+                    </a:p>
+                    <a:p>
+                      <a:r>
+                        <a:rPr lang="en-US" dirty="0" smtClean="0"/>
+                        <a:t>FAR: 0.50319</a:t>
+                      </a:r>
+                      <a:endParaRPr lang="en-US" dirty="0"/>
+                    </a:p>
+                  </a:txBody>
+                  <a:tcPr/>
+                </a:tc>
+                <a:tc>
+                  <a:txBody>
+                    <a:bodyPr/>
+                    <a:lstStyle/>
+                    <a:p>
+                      <a:r>
+                        <a:rPr lang="en-US" dirty="0" smtClean="0"/>
+                        <a:t>FRR: 0.14894</a:t>
+                      </a:r>
+                    </a:p>
+                    <a:p>
+                      <a:r>
+                        <a:rPr lang="en-US" dirty="0" smtClean="0"/>
+                        <a:t>FAR: 0.44891</a:t>
+                      </a:r>
+                      <a:endParaRPr lang="en-US" dirty="0" smtClean="0"/>
+                    </a:p>
+                  </a:txBody>
+                  <a:tcPr/>
+                </a:tc>
+                <a:tc>
+                  <a:txBody>
+                    <a:bodyPr/>
+                    <a:lstStyle/>
+                    <a:p>
+                      <a:r>
+                        <a:rPr lang="en-US" dirty="0" smtClean="0"/>
+                        <a:t>FRR: 0.17822</a:t>
+                      </a:r>
+                    </a:p>
+                    <a:p>
+                      <a:r>
+                        <a:rPr lang="en-US" dirty="0" smtClean="0"/>
+                        <a:t>FAR: 0.28520</a:t>
                       </a:r>
                       <a:endParaRPr lang="en-US" dirty="0"/>
                     </a:p>
@@ -5246,13 +5242,13 @@
                     <a:p>
                       <a:r>
                         <a:rPr lang="en-US" dirty="0" smtClean="0"/>
-                        <a:t>FRR: 0.37389</a:t>
-                      </a:r>
-                    </a:p>
-                    <a:p>
-                      <a:r>
-                        <a:rPr lang="en-US" dirty="0" smtClean="0"/>
-                        <a:t>FAR: 0.52816</a:t>
+                        <a:t>FRR: 0.24762</a:t>
+                      </a:r>
+                    </a:p>
+                    <a:p>
+                      <a:r>
+                        <a:rPr lang="en-US" dirty="0" smtClean="0"/>
+                        <a:t>FAR: 0.53971</a:t>
                       </a:r>
                       <a:endParaRPr lang="en-US" dirty="0"/>
                     </a:p>
@@ -5297,53 +5293,53 @@
                     <a:p>
                       <a:r>
                         <a:rPr lang="en-US" dirty="0" smtClean="0"/>
-                        <a:t>FRR: 0.35123</a:t>
-                      </a:r>
-                    </a:p>
-                    <a:p>
-                      <a:r>
-                        <a:rPr lang="en-US" dirty="0" smtClean="0"/>
-                        <a:t>FAR: 0.50034</a:t>
-                      </a:r>
-                      <a:endParaRPr lang="en-US" dirty="0"/>
-                    </a:p>
-                  </a:txBody>
-                  <a:tcPr/>
-                </a:tc>
-                <a:tc>
-                  <a:txBody>
-                    <a:bodyPr/>
-                    <a:lstStyle/>
-                    <a:p>
-                      <a:r>
-                        <a:rPr lang="en-US" dirty="0" smtClean="0"/>
-                        <a:t>FRR: 0.19663</a:t>
-                      </a:r>
-                    </a:p>
-                    <a:p>
-                      <a:r>
-                        <a:rPr lang="en-US" dirty="0" smtClean="0"/>
-                        <a:t>FAR: 0.46460</a:t>
-                      </a:r>
-                      <a:endParaRPr lang="en-US" dirty="0"/>
-                    </a:p>
-                  </a:txBody>
-                  <a:tcPr/>
-                </a:tc>
-                <a:tc>
-                  <a:txBody>
-                    <a:bodyPr/>
-                    <a:lstStyle/>
-                    <a:p>
-                      <a:r>
-                        <a:rPr lang="en-US" dirty="0" smtClean="0"/>
-                        <a:t>FRR: 0.11180</a:t>
-                      </a:r>
-                    </a:p>
-                    <a:p>
-                      <a:r>
-                        <a:rPr lang="en-US" dirty="0" smtClean="0"/>
-                        <a:t>FAR: 0.41718</a:t>
+                        <a:t>FRR: 0.29185</a:t>
+                      </a:r>
+                    </a:p>
+                    <a:p>
+                      <a:r>
+                        <a:rPr lang="en-US" dirty="0" smtClean="0"/>
+                        <a:t>FAR: 0.49942</a:t>
+                      </a:r>
+                      <a:endParaRPr lang="en-US" dirty="0"/>
+                    </a:p>
+                  </a:txBody>
+                  <a:tcPr/>
+                </a:tc>
+                <a:tc>
+                  <a:txBody>
+                    <a:bodyPr/>
+                    <a:lstStyle/>
+                    <a:p>
+                      <a:r>
+                        <a:rPr lang="en-US" smtClean="0"/>
+                        <a:t>FRR: 0.13456</a:t>
+                      </a:r>
+                    </a:p>
+                    <a:p>
+                      <a:r>
+                        <a:rPr lang="en-US" smtClean="0"/>
+                        <a:t>FAR: 0.36252</a:t>
+                      </a:r>
+                      <a:endParaRPr lang="en-US" dirty="0"/>
+                    </a:p>
+                  </a:txBody>
+                  <a:tcPr/>
+                </a:tc>
+                <a:tc>
+                  <a:txBody>
+                    <a:bodyPr/>
+                    <a:lstStyle/>
+                    <a:p>
+                      <a:r>
+                        <a:rPr lang="en-US" dirty="0" smtClean="0"/>
+                        <a:t>FRR: 0.12635</a:t>
+                      </a:r>
+                    </a:p>
+                    <a:p>
+                      <a:r>
+                        <a:rPr lang="en-US" dirty="0" smtClean="0"/>
+                        <a:t>FAR: 0.30997</a:t>
                       </a:r>
                       <a:endParaRPr lang="en-US" dirty="0"/>
                     </a:p>
@@ -5377,13 +5373,13 @@
                     <a:p>
                       <a:r>
                         <a:rPr lang="en-US" dirty="0" smtClean="0"/>
-                        <a:t>FRR: 0.33749</a:t>
-                      </a:r>
-                    </a:p>
-                    <a:p>
-                      <a:r>
-                        <a:rPr lang="en-US" dirty="0" smtClean="0"/>
-                        <a:t>FAR: 0.52355</a:t>
+                        <a:t>FRR: 0.15643</a:t>
+                      </a:r>
+                    </a:p>
+                    <a:p>
+                      <a:r>
+                        <a:rPr lang="en-US" dirty="0" smtClean="0"/>
+                        <a:t>FAR: 0.45778</a:t>
                       </a:r>
                       <a:endParaRPr lang="en-US" dirty="0"/>
                     </a:p>
